--- a/presentation/party_communication_functional_requirement.pptx
+++ b/presentation/party_communication_functional_requirement.pptx
@@ -5,7 +5,7 @@
     <p:sldMasterId id="2147483648" r:id="rId1"/>
   </p:sldMasterIdLst>
   <p:notesMasterIdLst>
-    <p:notesMasterId r:id="rId20"/>
+    <p:notesMasterId r:id="rId23"/>
   </p:notesMasterIdLst>
   <p:sldIdLst>
     <p:sldId id="256" r:id="rId2"/>
@@ -26,6 +26,9 @@
     <p:sldId id="271" r:id="rId17"/>
     <p:sldId id="273" r:id="rId18"/>
     <p:sldId id="272" r:id="rId19"/>
+    <p:sldId id="274" r:id="rId20"/>
+    <p:sldId id="276" r:id="rId21"/>
+    <p:sldId id="275" r:id="rId22"/>
   </p:sldIdLst>
   <p:sldSz cx="12192000" cy="6858000"/>
   <p:notesSz cx="6858000" cy="9144000"/>
@@ -214,7 +217,7 @@
           <a:p>
             <a:fld id="{52A19648-783A-4DD4-AA8A-46323A4D2466}" type="datetimeFigureOut">
               <a:rPr lang="th-TH" smtClean="0"/>
-              <a:t>21/06/68</a:t>
+              <a:t>23/06/68</a:t>
             </a:fld>
             <a:endParaRPr lang="th-TH"/>
           </a:p>
@@ -715,7 +718,7 @@
           <a:p>
             <a:fld id="{6927124E-2C7C-4693-901C-6133F442995C}" type="datetimeFigureOut">
               <a:rPr lang="th-TH" smtClean="0"/>
-              <a:t>21/06/68</a:t>
+              <a:t>23/06/68</a:t>
             </a:fld>
             <a:endParaRPr lang="th-TH"/>
           </a:p>
@@ -915,7 +918,7 @@
           <a:p>
             <a:fld id="{6927124E-2C7C-4693-901C-6133F442995C}" type="datetimeFigureOut">
               <a:rPr lang="th-TH" smtClean="0"/>
-              <a:t>21/06/68</a:t>
+              <a:t>23/06/68</a:t>
             </a:fld>
             <a:endParaRPr lang="th-TH"/>
           </a:p>
@@ -1125,7 +1128,7 @@
           <a:p>
             <a:fld id="{6927124E-2C7C-4693-901C-6133F442995C}" type="datetimeFigureOut">
               <a:rPr lang="th-TH" smtClean="0"/>
-              <a:t>21/06/68</a:t>
+              <a:t>23/06/68</a:t>
             </a:fld>
             <a:endParaRPr lang="th-TH"/>
           </a:p>
@@ -1325,7 +1328,7 @@
           <a:p>
             <a:fld id="{6927124E-2C7C-4693-901C-6133F442995C}" type="datetimeFigureOut">
               <a:rPr lang="th-TH" smtClean="0"/>
-              <a:t>21/06/68</a:t>
+              <a:t>23/06/68</a:t>
             </a:fld>
             <a:endParaRPr lang="th-TH"/>
           </a:p>
@@ -1601,7 +1604,7 @@
           <a:p>
             <a:fld id="{6927124E-2C7C-4693-901C-6133F442995C}" type="datetimeFigureOut">
               <a:rPr lang="th-TH" smtClean="0"/>
-              <a:t>21/06/68</a:t>
+              <a:t>23/06/68</a:t>
             </a:fld>
             <a:endParaRPr lang="th-TH"/>
           </a:p>
@@ -1869,7 +1872,7 @@
           <a:p>
             <a:fld id="{6927124E-2C7C-4693-901C-6133F442995C}" type="datetimeFigureOut">
               <a:rPr lang="th-TH" smtClean="0"/>
-              <a:t>21/06/68</a:t>
+              <a:t>23/06/68</a:t>
             </a:fld>
             <a:endParaRPr lang="th-TH"/>
           </a:p>
@@ -2284,7 +2287,7 @@
           <a:p>
             <a:fld id="{6927124E-2C7C-4693-901C-6133F442995C}" type="datetimeFigureOut">
               <a:rPr lang="th-TH" smtClean="0"/>
-              <a:t>21/06/68</a:t>
+              <a:t>23/06/68</a:t>
             </a:fld>
             <a:endParaRPr lang="th-TH"/>
           </a:p>
@@ -2426,7 +2429,7 @@
           <a:p>
             <a:fld id="{6927124E-2C7C-4693-901C-6133F442995C}" type="datetimeFigureOut">
               <a:rPr lang="th-TH" smtClean="0"/>
-              <a:t>21/06/68</a:t>
+              <a:t>23/06/68</a:t>
             </a:fld>
             <a:endParaRPr lang="th-TH"/>
           </a:p>
@@ -2539,7 +2542,7 @@
           <a:p>
             <a:fld id="{6927124E-2C7C-4693-901C-6133F442995C}" type="datetimeFigureOut">
               <a:rPr lang="th-TH" smtClean="0"/>
-              <a:t>21/06/68</a:t>
+              <a:t>23/06/68</a:t>
             </a:fld>
             <a:endParaRPr lang="th-TH"/>
           </a:p>
@@ -2852,7 +2855,7 @@
           <a:p>
             <a:fld id="{6927124E-2C7C-4693-901C-6133F442995C}" type="datetimeFigureOut">
               <a:rPr lang="th-TH" smtClean="0"/>
-              <a:t>21/06/68</a:t>
+              <a:t>23/06/68</a:t>
             </a:fld>
             <a:endParaRPr lang="th-TH"/>
           </a:p>
@@ -3141,7 +3144,7 @@
           <a:p>
             <a:fld id="{6927124E-2C7C-4693-901C-6133F442995C}" type="datetimeFigureOut">
               <a:rPr lang="th-TH" smtClean="0"/>
-              <a:t>21/06/68</a:t>
+              <a:t>23/06/68</a:t>
             </a:fld>
             <a:endParaRPr lang="th-TH"/>
           </a:p>
@@ -3384,7 +3387,7 @@
           <a:p>
             <a:fld id="{6927124E-2C7C-4693-901C-6133F442995C}" type="datetimeFigureOut">
               <a:rPr lang="th-TH" smtClean="0"/>
-              <a:t>21/06/68</a:t>
+              <a:t>23/06/68</a:t>
             </a:fld>
             <a:endParaRPr lang="th-TH"/>
           </a:p>
@@ -9193,10 +9196,18 @@
           <a:lstStyle/>
           <a:p>
             <a:r>
-              <a:rPr lang="en-US" dirty="0"/>
+              <a:rPr lang="en-US" dirty="0">
+                <a:latin typeface="Tahoma" panose="020B0604030504040204" pitchFamily="34" charset="0"/>
+                <a:ea typeface="Tahoma" panose="020B0604030504040204" pitchFamily="34" charset="0"/>
+                <a:cs typeface="Tahoma" panose="020B0604030504040204" pitchFamily="34" charset="0"/>
+              </a:rPr>
               <a:t>Layer Info</a:t>
             </a:r>
-            <a:endParaRPr lang="th-TH" dirty="0"/>
+            <a:endParaRPr lang="th-TH" dirty="0">
+              <a:latin typeface="Tahoma" panose="020B0604030504040204" pitchFamily="34" charset="0"/>
+              <a:ea typeface="Tahoma" panose="020B0604030504040204" pitchFamily="34" charset="0"/>
+              <a:cs typeface="Tahoma" panose="020B0604030504040204" pitchFamily="34" charset="0"/>
+            </a:endParaRPr>
           </a:p>
         </p:txBody>
       </p:sp>
@@ -9221,7 +9232,78 @@
           <a:bodyPr/>
           <a:lstStyle/>
           <a:p>
-            <a:endParaRPr lang="th-TH"/>
+            <a:r>
+              <a:rPr lang="th-TH" dirty="0">
+                <a:latin typeface="Tahoma" panose="020B0604030504040204" pitchFamily="34" charset="0"/>
+                <a:ea typeface="Tahoma" panose="020B0604030504040204" pitchFamily="34" charset="0"/>
+                <a:cs typeface="Tahoma" panose="020B0604030504040204" pitchFamily="34" charset="0"/>
+              </a:rPr>
+              <a:t>คือการเก็บ </a:t>
+            </a:r>
+            <a:r>
+              <a:rPr lang="en-US" dirty="0">
+                <a:latin typeface="Tahoma" panose="020B0604030504040204" pitchFamily="34" charset="0"/>
+                <a:ea typeface="Tahoma" panose="020B0604030504040204" pitchFamily="34" charset="0"/>
+                <a:cs typeface="Tahoma" panose="020B0604030504040204" pitchFamily="34" charset="0"/>
+              </a:rPr>
+              <a:t>Information </a:t>
+            </a:r>
+            <a:r>
+              <a:rPr lang="th-TH" dirty="0">
+                <a:latin typeface="Tahoma" panose="020B0604030504040204" pitchFamily="34" charset="0"/>
+                <a:ea typeface="Tahoma" panose="020B0604030504040204" pitchFamily="34" charset="0"/>
+                <a:cs typeface="Tahoma" panose="020B0604030504040204" pitchFamily="34" charset="0"/>
+              </a:rPr>
+              <a:t>เกี่ยวกับ </a:t>
+            </a:r>
+            <a:r>
+              <a:rPr lang="en-US" dirty="0">
+                <a:latin typeface="Tahoma" panose="020B0604030504040204" pitchFamily="34" charset="0"/>
+                <a:ea typeface="Tahoma" panose="020B0604030504040204" pitchFamily="34" charset="0"/>
+                <a:cs typeface="Tahoma" panose="020B0604030504040204" pitchFamily="34" charset="0"/>
+              </a:rPr>
+              <a:t>Person </a:t>
+            </a:r>
+            <a:r>
+              <a:rPr lang="th-TH" dirty="0">
+                <a:latin typeface="Tahoma" panose="020B0604030504040204" pitchFamily="34" charset="0"/>
+                <a:ea typeface="Tahoma" panose="020B0604030504040204" pitchFamily="34" charset="0"/>
+                <a:cs typeface="Tahoma" panose="020B0604030504040204" pitchFamily="34" charset="0"/>
+              </a:rPr>
+              <a:t>และ </a:t>
+            </a:r>
+            <a:r>
+              <a:rPr lang="en-US" dirty="0">
+                <a:latin typeface="Tahoma" panose="020B0604030504040204" pitchFamily="34" charset="0"/>
+                <a:ea typeface="Tahoma" panose="020B0604030504040204" pitchFamily="34" charset="0"/>
+                <a:cs typeface="Tahoma" panose="020B0604030504040204" pitchFamily="34" charset="0"/>
+              </a:rPr>
+              <a:t>Organization </a:t>
+            </a:r>
+            <a:r>
+              <a:rPr lang="th-TH" dirty="0">
+                <a:latin typeface="Tahoma" panose="020B0604030504040204" pitchFamily="34" charset="0"/>
+                <a:ea typeface="Tahoma" panose="020B0604030504040204" pitchFamily="34" charset="0"/>
+                <a:cs typeface="Tahoma" panose="020B0604030504040204" pitchFamily="34" charset="0"/>
+              </a:rPr>
+              <a:t>โดยละเอียด ทั้ง </a:t>
+            </a:r>
+            <a:r>
+              <a:rPr lang="en-US" dirty="0">
+                <a:latin typeface="Tahoma" panose="020B0604030504040204" pitchFamily="34" charset="0"/>
+                <a:ea typeface="Tahoma" panose="020B0604030504040204" pitchFamily="34" charset="0"/>
+                <a:cs typeface="Tahoma" panose="020B0604030504040204" pitchFamily="34" charset="0"/>
+              </a:rPr>
+              <a:t>2 </a:t>
+            </a:r>
+            <a:r>
+              <a:rPr lang="th-TH" dirty="0">
+                <a:latin typeface="Tahoma" panose="020B0604030504040204" pitchFamily="34" charset="0"/>
+                <a:ea typeface="Tahoma" panose="020B0604030504040204" pitchFamily="34" charset="0"/>
+                <a:cs typeface="Tahoma" panose="020B0604030504040204" pitchFamily="34" charset="0"/>
+              </a:rPr>
+              <a:t>ตัว</a:t>
+            </a:r>
           </a:p>
         </p:txBody>
       </p:sp>
@@ -9276,7 +9358,22 @@
           <a:bodyPr/>
           <a:lstStyle/>
           <a:p>
-            <a:endParaRPr lang="th-TH"/>
+            <a:r>
+              <a:rPr lang="en-US" dirty="0">
+                <a:latin typeface="Tahoma" panose="020B0604030504040204" pitchFamily="34" charset="0"/>
+                <a:ea typeface="Tahoma" panose="020B0604030504040204" pitchFamily="34" charset="0"/>
+                <a:cs typeface="Tahoma" panose="020B0604030504040204" pitchFamily="34" charset="0"/>
+              </a:rPr>
+              <a:t>Person </a:t>
+            </a:r>
+            <a:r>
+              <a:rPr lang="th-TH" dirty="0">
+                <a:latin typeface="Tahoma" panose="020B0604030504040204" pitchFamily="34" charset="0"/>
+                <a:ea typeface="Tahoma" panose="020B0604030504040204" pitchFamily="34" charset="0"/>
+                <a:cs typeface="Tahoma" panose="020B0604030504040204" pitchFamily="34" charset="0"/>
+              </a:rPr>
+              <a:t>บุคคล</a:t>
+            </a:r>
           </a:p>
         </p:txBody>
       </p:sp>
@@ -9286,6 +9383,239 @@
             <a:extLst>
               <a:ext uri="{FF2B5EF4-FFF2-40B4-BE49-F238E27FC236}">
                 <a16:creationId xmlns:a16="http://schemas.microsoft.com/office/drawing/2014/main" id="{F17854E7-F5F4-24AE-590A-90DBAE96706A}"/>
+              </a:ext>
+            </a:extLst>
+          </p:cNvPr>
+          <p:cNvSpPr>
+            <a:spLocks noGrp="1"/>
+          </p:cNvSpPr>
+          <p:nvPr>
+            <p:ph idx="1"/>
+          </p:nvPr>
+        </p:nvSpPr>
+        <p:spPr/>
+        <p:txBody>
+          <a:bodyPr>
+            <a:normAutofit/>
+          </a:bodyPr>
+          <a:lstStyle/>
+          <a:p>
+            <a:pPr>
+              <a:spcBef>
+                <a:spcPts val="3600"/>
+              </a:spcBef>
+            </a:pPr>
+            <a:r>
+              <a:rPr lang="th-TH" dirty="0">
+                <a:latin typeface="Tahoma" panose="020B0604030504040204" pitchFamily="34" charset="0"/>
+                <a:ea typeface="Tahoma" panose="020B0604030504040204" pitchFamily="34" charset="0"/>
+                <a:cs typeface="Tahoma" panose="020B0604030504040204" pitchFamily="34" charset="0"/>
+              </a:rPr>
+              <a:t>จัดการข้อมูลคงที่ของบุคคล เช่น รหัสประจำตัว วันเกิด </a:t>
+            </a:r>
+            <a:r>
+              <a:rPr lang="en-US" dirty="0">
+                <a:latin typeface="Tahoma" panose="020B0604030504040204" pitchFamily="34" charset="0"/>
+                <a:ea typeface="Tahoma" panose="020B0604030504040204" pitchFamily="34" charset="0"/>
+                <a:cs typeface="Tahoma" panose="020B0604030504040204" pitchFamily="34" charset="0"/>
+              </a:rPr>
+              <a:t>comment</a:t>
+            </a:r>
+          </a:p>
+          <a:p>
+            <a:pPr>
+              <a:spcBef>
+                <a:spcPts val="3600"/>
+              </a:spcBef>
+            </a:pPr>
+            <a:r>
+              <a:rPr lang="th-TH" dirty="0">
+                <a:latin typeface="Tahoma" panose="020B0604030504040204" pitchFamily="34" charset="0"/>
+                <a:ea typeface="Tahoma" panose="020B0604030504040204" pitchFamily="34" charset="0"/>
+                <a:cs typeface="Tahoma" panose="020B0604030504040204" pitchFamily="34" charset="0"/>
+              </a:rPr>
+              <a:t>จัดการข้อมูลเปลี่ยนแปลงได้ของบุคคล เก็บประวัติย้อนหลังด้วย </a:t>
+            </a:r>
+            <a:r>
+              <a:rPr lang="en-US" dirty="0" err="1">
+                <a:latin typeface="Tahoma" panose="020B0604030504040204" pitchFamily="34" charset="0"/>
+                <a:ea typeface="Tahoma" panose="020B0604030504040204" pitchFamily="34" charset="0"/>
+                <a:cs typeface="Tahoma" panose="020B0604030504040204" pitchFamily="34" charset="0"/>
+              </a:rPr>
+              <a:t>Fromdate</a:t>
+            </a:r>
+            <a:r>
+              <a:rPr lang="en-US" dirty="0">
+                <a:latin typeface="Tahoma" panose="020B0604030504040204" pitchFamily="34" charset="0"/>
+                <a:ea typeface="Tahoma" panose="020B0604030504040204" pitchFamily="34" charset="0"/>
+                <a:cs typeface="Tahoma" panose="020B0604030504040204" pitchFamily="34" charset="0"/>
+              </a:rPr>
+              <a:t> </a:t>
+            </a:r>
+            <a:r>
+              <a:rPr lang="th-TH" dirty="0">
+                <a:latin typeface="Tahoma" panose="020B0604030504040204" pitchFamily="34" charset="0"/>
+                <a:ea typeface="Tahoma" panose="020B0604030504040204" pitchFamily="34" charset="0"/>
+                <a:cs typeface="Tahoma" panose="020B0604030504040204" pitchFamily="34" charset="0"/>
+              </a:rPr>
+              <a:t>และ </a:t>
+            </a:r>
+            <a:r>
+              <a:rPr lang="en-US" dirty="0" err="1">
+                <a:latin typeface="Tahoma" panose="020B0604030504040204" pitchFamily="34" charset="0"/>
+                <a:ea typeface="Tahoma" panose="020B0604030504040204" pitchFamily="34" charset="0"/>
+                <a:cs typeface="Tahoma" panose="020B0604030504040204" pitchFamily="34" charset="0"/>
+              </a:rPr>
+              <a:t>Thrudate</a:t>
+            </a:r>
+            <a:r>
+              <a:rPr lang="en-US" dirty="0">
+                <a:latin typeface="Tahoma" panose="020B0604030504040204" pitchFamily="34" charset="0"/>
+                <a:ea typeface="Tahoma" panose="020B0604030504040204" pitchFamily="34" charset="0"/>
+                <a:cs typeface="Tahoma" panose="020B0604030504040204" pitchFamily="34" charset="0"/>
+              </a:rPr>
+              <a:t> </a:t>
+            </a:r>
+            <a:r>
+              <a:rPr lang="th-TH" dirty="0">
+                <a:latin typeface="Tahoma" panose="020B0604030504040204" pitchFamily="34" charset="0"/>
+                <a:ea typeface="Tahoma" panose="020B0604030504040204" pitchFamily="34" charset="0"/>
+                <a:cs typeface="Tahoma" panose="020B0604030504040204" pitchFamily="34" charset="0"/>
+              </a:rPr>
+              <a:t>เช่น ชื่อ นามสกุล ชื่อเล่น สถานะสมรส สัญชาติ (มีรายละเอียดเพิ่มเติม)</a:t>
+            </a:r>
+            <a:endParaRPr lang="en-US" dirty="0">
+              <a:latin typeface="Tahoma" panose="020B0604030504040204" pitchFamily="34" charset="0"/>
+              <a:ea typeface="Tahoma" panose="020B0604030504040204" pitchFamily="34" charset="0"/>
+              <a:cs typeface="Tahoma" panose="020B0604030504040204" pitchFamily="34" charset="0"/>
+            </a:endParaRPr>
+          </a:p>
+          <a:p>
+            <a:pPr>
+              <a:spcBef>
+                <a:spcPts val="3600"/>
+              </a:spcBef>
+            </a:pPr>
+            <a:r>
+              <a:rPr lang="th-TH" dirty="0">
+                <a:latin typeface="Tahoma" panose="020B0604030504040204" pitchFamily="34" charset="0"/>
+                <a:ea typeface="Tahoma" panose="020B0604030504040204" pitchFamily="34" charset="0"/>
+                <a:cs typeface="Tahoma" panose="020B0604030504040204" pitchFamily="34" charset="0"/>
+              </a:rPr>
+              <a:t>ข้อมูลคงที่แบบไม่เก็บประวัติ เช่น เพศ</a:t>
+            </a:r>
+            <a:endParaRPr lang="en-US" dirty="0">
+              <a:latin typeface="Tahoma" panose="020B0604030504040204" pitchFamily="34" charset="0"/>
+              <a:ea typeface="Tahoma" panose="020B0604030504040204" pitchFamily="34" charset="0"/>
+              <a:cs typeface="Tahoma" panose="020B0604030504040204" pitchFamily="34" charset="0"/>
+            </a:endParaRPr>
+          </a:p>
+          <a:p>
+            <a:pPr>
+              <a:spcBef>
+                <a:spcPts val="3600"/>
+              </a:spcBef>
+            </a:pPr>
+            <a:r>
+              <a:rPr lang="th-TH" dirty="0">
+                <a:latin typeface="Tahoma" panose="020B0604030504040204" pitchFamily="34" charset="0"/>
+                <a:ea typeface="Tahoma" panose="020B0604030504040204" pitchFamily="34" charset="0"/>
+                <a:cs typeface="Tahoma" panose="020B0604030504040204" pitchFamily="34" charset="0"/>
+              </a:rPr>
+              <a:t>จัดการประวัติเพิ่มเติมของบุคคล เช่น พาสปอร์ต สถานะ </a:t>
+            </a:r>
+            <a:r>
+              <a:rPr lang="en-US" dirty="0">
+                <a:latin typeface="Tahoma" panose="020B0604030504040204" pitchFamily="34" charset="0"/>
+                <a:ea typeface="Tahoma" panose="020B0604030504040204" pitchFamily="34" charset="0"/>
+                <a:cs typeface="Tahoma" panose="020B0604030504040204" pitchFamily="34" charset="0"/>
+              </a:rPr>
+              <a:t>EEOC </a:t>
+            </a:r>
+            <a:r>
+              <a:rPr lang="th-TH" dirty="0">
+                <a:latin typeface="Tahoma" panose="020B0604030504040204" pitchFamily="34" charset="0"/>
+                <a:ea typeface="Tahoma" panose="020B0604030504040204" pitchFamily="34" charset="0"/>
+                <a:cs typeface="Tahoma" panose="020B0604030504040204" pitchFamily="34" charset="0"/>
+              </a:rPr>
+              <a:t>รายได้</a:t>
+            </a:r>
+          </a:p>
+        </p:txBody>
+      </p:sp>
+    </p:spTree>
+    <p:extLst>
+      <p:ext uri="{BB962C8B-B14F-4D97-AF65-F5344CB8AC3E}">
+        <p14:creationId xmlns:p14="http://schemas.microsoft.com/office/powerpoint/2010/main" val="923054396"/>
+      </p:ext>
+    </p:extLst>
+  </p:cSld>
+  <p:clrMapOvr>
+    <a:masterClrMapping/>
+  </p:clrMapOvr>
+</p:sld>
+</file>
+
+<file path=ppt/slides/slide19.xml><?xml version="1.0" encoding="utf-8"?>
+<p:sld xmlns:a="http://schemas.openxmlformats.org/drawingml/2006/main" xmlns:r="http://schemas.openxmlformats.org/officeDocument/2006/relationships" xmlns:p="http://schemas.openxmlformats.org/presentationml/2006/main">
+  <p:cSld>
+    <p:spTree>
+      <p:nvGrpSpPr>
+        <p:cNvPr id="1" name=""/>
+        <p:cNvGrpSpPr/>
+        <p:nvPr/>
+      </p:nvGrpSpPr>
+      <p:grpSpPr>
+        <a:xfrm>
+          <a:off x="0" y="0"/>
+          <a:ext cx="0" cy="0"/>
+          <a:chOff x="0" y="0"/>
+          <a:chExt cx="0" cy="0"/>
+        </a:xfrm>
+      </p:grpSpPr>
+      <p:sp>
+        <p:nvSpPr>
+          <p:cNvPr id="2" name="Title 1">
+            <a:extLst>
+              <a:ext uri="{FF2B5EF4-FFF2-40B4-BE49-F238E27FC236}">
+                <a16:creationId xmlns:a16="http://schemas.microsoft.com/office/drawing/2014/main" id="{42D1F1D0-0C49-30B3-14C4-1C6E8E79E92D}"/>
+              </a:ext>
+            </a:extLst>
+          </p:cNvPr>
+          <p:cNvSpPr>
+            <a:spLocks noGrp="1"/>
+          </p:cNvSpPr>
+          <p:nvPr>
+            <p:ph type="title"/>
+          </p:nvPr>
+        </p:nvSpPr>
+        <p:spPr/>
+        <p:txBody>
+          <a:bodyPr/>
+          <a:lstStyle/>
+          <a:p>
+            <a:r>
+              <a:rPr lang="en-US" dirty="0">
+                <a:latin typeface="Tahoma" panose="020B0604030504040204" pitchFamily="34" charset="0"/>
+                <a:ea typeface="Tahoma" panose="020B0604030504040204" pitchFamily="34" charset="0"/>
+                <a:cs typeface="Tahoma" panose="020B0604030504040204" pitchFamily="34" charset="0"/>
+              </a:rPr>
+              <a:t>Organization</a:t>
+            </a:r>
+            <a:endParaRPr lang="th-TH" dirty="0">
+              <a:latin typeface="Tahoma" panose="020B0604030504040204" pitchFamily="34" charset="0"/>
+              <a:ea typeface="Tahoma" panose="020B0604030504040204" pitchFamily="34" charset="0"/>
+              <a:cs typeface="Tahoma" panose="020B0604030504040204" pitchFamily="34" charset="0"/>
+            </a:endParaRPr>
+          </a:p>
+        </p:txBody>
+      </p:sp>
+      <p:sp>
+        <p:nvSpPr>
+          <p:cNvPr id="3" name="Content Placeholder 2">
+            <a:extLst>
+              <a:ext uri="{FF2B5EF4-FFF2-40B4-BE49-F238E27FC236}">
+                <a16:creationId xmlns:a16="http://schemas.microsoft.com/office/drawing/2014/main" id="{D909A776-1DBD-B7C5-0CC0-62EF9F9F0F04}"/>
               </a:ext>
             </a:extLst>
           </p:cNvPr>
@@ -9301,14 +9631,18 @@
           <a:bodyPr/>
           <a:lstStyle/>
           <a:p>
-            <a:endParaRPr lang="th-TH"/>
+            <a:endParaRPr lang="th-TH" dirty="0">
+              <a:latin typeface="Tahoma" panose="020B0604030504040204" pitchFamily="34" charset="0"/>
+              <a:ea typeface="Tahoma" panose="020B0604030504040204" pitchFamily="34" charset="0"/>
+              <a:cs typeface="Tahoma" panose="020B0604030504040204" pitchFamily="34" charset="0"/>
+            </a:endParaRPr>
           </a:p>
         </p:txBody>
       </p:sp>
     </p:spTree>
     <p:extLst>
       <p:ext uri="{BB962C8B-B14F-4D97-AF65-F5344CB8AC3E}">
-        <p14:creationId xmlns:p14="http://schemas.microsoft.com/office/powerpoint/2010/main" val="923054396"/>
+        <p14:creationId xmlns:p14="http://schemas.microsoft.com/office/powerpoint/2010/main" val="3483461637"/>
       </p:ext>
     </p:extLst>
   </p:cSld>
@@ -9415,7 +9749,7 @@
                 <a:ea typeface="Tahoma" panose="020B0604030504040204" pitchFamily="34" charset="0"/>
                 <a:cs typeface="Tahoma" panose="020B0604030504040204" pitchFamily="34" charset="0"/>
               </a:rPr>
-              <a:t>แอปพลิเคชันเว็บประเภท </a:t>
+              <a:t>แอปพลิเคชันเว็บแนว </a:t>
             </a:r>
             <a:r>
               <a:rPr lang="en-US" dirty="0" err="1">
@@ -9426,20 +9760,20 @@
               <a:t>FullStack</a:t>
             </a:r>
             <a:r>
+              <a:rPr lang="en-US" dirty="0">
+                <a:latin typeface="Tahoma" panose="020B0604030504040204" pitchFamily="34" charset="0"/>
+                <a:ea typeface="Tahoma" panose="020B0604030504040204" pitchFamily="34" charset="0"/>
+                <a:cs typeface="Tahoma" panose="020B0604030504040204" pitchFamily="34" charset="0"/>
+              </a:rPr>
+              <a:t> DevOps </a:t>
+            </a:r>
+            <a:r>
               <a:rPr lang="th-TH" dirty="0">
                 <a:latin typeface="Tahoma" panose="020B0604030504040204" pitchFamily="34" charset="0"/>
                 <a:ea typeface="Tahoma" panose="020B0604030504040204" pitchFamily="34" charset="0"/>
                 <a:cs typeface="Tahoma" panose="020B0604030504040204" pitchFamily="34" charset="0"/>
               </a:rPr>
-              <a:t> </a:t>
-            </a:r>
-            <a:r>
-              <a:rPr lang="en-US" dirty="0">
-                <a:latin typeface="Tahoma" panose="020B0604030504040204" pitchFamily="34" charset="0"/>
-                <a:ea typeface="Tahoma" panose="020B0604030504040204" pitchFamily="34" charset="0"/>
-                <a:cs typeface="Tahoma" panose="020B0604030504040204" pitchFamily="34" charset="0"/>
-              </a:rPr>
-              <a:t>DevOps </a:t>
+              <a:t>และ </a:t>
             </a:r>
             <a:r>
               <a:rPr lang="en-US" dirty="0" err="1">
@@ -9470,7 +9804,7 @@
                 <a:ea typeface="Tahoma" panose="020B0604030504040204" pitchFamily="34" charset="0"/>
                 <a:cs typeface="Tahoma" panose="020B0604030504040204" pitchFamily="34" charset="0"/>
               </a:rPr>
-              <a:t>จัดการรายละเอียดของบุคคลและองค์กร</a:t>
+              <a:t>ช่วยจัดการข้อมูลบุคคลและองค์กร</a:t>
             </a:r>
             <a:endParaRPr lang="en-US" dirty="0">
               <a:latin typeface="Tahoma" panose="020B0604030504040204" pitchFamily="34" charset="0"/>
@@ -9493,7 +9827,7 @@
                 <a:ea typeface="Tahoma" panose="020B0604030504040204" pitchFamily="34" charset="0"/>
                 <a:cs typeface="Tahoma" panose="020B0604030504040204" pitchFamily="34" charset="0"/>
               </a:rPr>
-              <a:t>จัดการความสัมพันธ์และการสื่อสารทั้งหมด</a:t>
+              <a:t>ดูแลความสัมพันธ์และการสื่อสารทั้งหมด</a:t>
             </a:r>
             <a:endParaRPr lang="en-US" dirty="0">
               <a:latin typeface="Tahoma" panose="020B0604030504040204" pitchFamily="34" charset="0"/>
@@ -9507,6 +9841,174 @@
     <p:extLst>
       <p:ext uri="{BB962C8B-B14F-4D97-AF65-F5344CB8AC3E}">
         <p14:creationId xmlns:p14="http://schemas.microsoft.com/office/powerpoint/2010/main" val="3067284766"/>
+      </p:ext>
+    </p:extLst>
+  </p:cSld>
+  <p:clrMapOvr>
+    <a:masterClrMapping/>
+  </p:clrMapOvr>
+</p:sld>
+</file>
+
+<file path=ppt/slides/slide20.xml><?xml version="1.0" encoding="utf-8"?>
+<p:sld xmlns:a="http://schemas.openxmlformats.org/drawingml/2006/main" xmlns:r="http://schemas.openxmlformats.org/officeDocument/2006/relationships" xmlns:p="http://schemas.openxmlformats.org/presentationml/2006/main">
+  <p:cSld>
+    <p:spTree>
+      <p:nvGrpSpPr>
+        <p:cNvPr id="1" name=""/>
+        <p:cNvGrpSpPr/>
+        <p:nvPr/>
+      </p:nvGrpSpPr>
+      <p:grpSpPr>
+        <a:xfrm>
+          <a:off x="0" y="0"/>
+          <a:ext cx="0" cy="0"/>
+          <a:chOff x="0" y="0"/>
+          <a:chExt cx="0" cy="0"/>
+        </a:xfrm>
+      </p:grpSpPr>
+      <p:sp>
+        <p:nvSpPr>
+          <p:cNvPr id="2" name="Title 1">
+            <a:extLst>
+              <a:ext uri="{FF2B5EF4-FFF2-40B4-BE49-F238E27FC236}">
+                <a16:creationId xmlns:a16="http://schemas.microsoft.com/office/drawing/2014/main" id="{0B53D4F5-C50D-B87B-3ECC-5EBFA0D69DE9}"/>
+              </a:ext>
+            </a:extLst>
+          </p:cNvPr>
+          <p:cNvSpPr>
+            <a:spLocks noGrp="1"/>
+          </p:cNvSpPr>
+          <p:nvPr>
+            <p:ph type="title"/>
+          </p:nvPr>
+        </p:nvSpPr>
+        <p:spPr/>
+        <p:txBody>
+          <a:bodyPr/>
+          <a:lstStyle/>
+          <a:p>
+            <a:r>
+              <a:rPr lang="en-US" dirty="0"/>
+              <a:t>Person Classification</a:t>
+            </a:r>
+            <a:endParaRPr lang="th-TH" dirty="0"/>
+          </a:p>
+        </p:txBody>
+      </p:sp>
+      <p:sp>
+        <p:nvSpPr>
+          <p:cNvPr id="3" name="Content Placeholder 2">
+            <a:extLst>
+              <a:ext uri="{FF2B5EF4-FFF2-40B4-BE49-F238E27FC236}">
+                <a16:creationId xmlns:a16="http://schemas.microsoft.com/office/drawing/2014/main" id="{E9E766C2-E6CF-0B8E-398C-3BFC119A42F5}"/>
+              </a:ext>
+            </a:extLst>
+          </p:cNvPr>
+          <p:cNvSpPr>
+            <a:spLocks noGrp="1"/>
+          </p:cNvSpPr>
+          <p:nvPr>
+            <p:ph idx="1"/>
+          </p:nvPr>
+        </p:nvSpPr>
+        <p:spPr/>
+        <p:txBody>
+          <a:bodyPr/>
+          <a:lstStyle/>
+          <a:p>
+            <a:endParaRPr lang="th-TH" dirty="0"/>
+          </a:p>
+        </p:txBody>
+      </p:sp>
+    </p:spTree>
+    <p:extLst>
+      <p:ext uri="{BB962C8B-B14F-4D97-AF65-F5344CB8AC3E}">
+        <p14:creationId xmlns:p14="http://schemas.microsoft.com/office/powerpoint/2010/main" val="79753260"/>
+      </p:ext>
+    </p:extLst>
+  </p:cSld>
+  <p:clrMapOvr>
+    <a:masterClrMapping/>
+  </p:clrMapOvr>
+</p:sld>
+</file>
+
+<file path=ppt/slides/slide21.xml><?xml version="1.0" encoding="utf-8"?>
+<p:sld xmlns:a="http://schemas.openxmlformats.org/drawingml/2006/main" xmlns:r="http://schemas.openxmlformats.org/officeDocument/2006/relationships" xmlns:p="http://schemas.openxmlformats.org/presentationml/2006/main">
+  <p:cSld>
+    <p:spTree>
+      <p:nvGrpSpPr>
+        <p:cNvPr id="1" name=""/>
+        <p:cNvGrpSpPr/>
+        <p:nvPr/>
+      </p:nvGrpSpPr>
+      <p:grpSpPr>
+        <a:xfrm>
+          <a:off x="0" y="0"/>
+          <a:ext cx="0" cy="0"/>
+          <a:chOff x="0" y="0"/>
+          <a:chExt cx="0" cy="0"/>
+        </a:xfrm>
+      </p:grpSpPr>
+      <p:sp>
+        <p:nvSpPr>
+          <p:cNvPr id="2" name="Title 1">
+            <a:extLst>
+              <a:ext uri="{FF2B5EF4-FFF2-40B4-BE49-F238E27FC236}">
+                <a16:creationId xmlns:a16="http://schemas.microsoft.com/office/drawing/2014/main" id="{5E508327-7FA4-FA7F-1198-D46A11A7D488}"/>
+              </a:ext>
+            </a:extLst>
+          </p:cNvPr>
+          <p:cNvSpPr>
+            <a:spLocks noGrp="1"/>
+          </p:cNvSpPr>
+          <p:nvPr>
+            <p:ph type="title"/>
+          </p:nvPr>
+        </p:nvSpPr>
+        <p:spPr/>
+        <p:txBody>
+          <a:bodyPr/>
+          <a:lstStyle/>
+          <a:p>
+            <a:r>
+              <a:rPr lang="en-US" dirty="0"/>
+              <a:t>Organization Classification</a:t>
+            </a:r>
+            <a:endParaRPr lang="th-TH" dirty="0"/>
+          </a:p>
+        </p:txBody>
+      </p:sp>
+      <p:sp>
+        <p:nvSpPr>
+          <p:cNvPr id="3" name="Content Placeholder 2">
+            <a:extLst>
+              <a:ext uri="{FF2B5EF4-FFF2-40B4-BE49-F238E27FC236}">
+                <a16:creationId xmlns:a16="http://schemas.microsoft.com/office/drawing/2014/main" id="{7F321207-3D10-1352-D2B3-68D0D3E6007E}"/>
+              </a:ext>
+            </a:extLst>
+          </p:cNvPr>
+          <p:cNvSpPr>
+            <a:spLocks noGrp="1"/>
+          </p:cNvSpPr>
+          <p:nvPr>
+            <p:ph idx="1"/>
+          </p:nvPr>
+        </p:nvSpPr>
+        <p:spPr/>
+        <p:txBody>
+          <a:bodyPr/>
+          <a:lstStyle/>
+          <a:p>
+            <a:endParaRPr lang="th-TH" dirty="0"/>
+          </a:p>
+        </p:txBody>
+      </p:sp>
+    </p:spTree>
+    <p:extLst>
+      <p:ext uri="{BB962C8B-B14F-4D97-AF65-F5344CB8AC3E}">
+        <p14:creationId xmlns:p14="http://schemas.microsoft.com/office/powerpoint/2010/main" val="784741408"/>
       </p:ext>
     </p:extLst>
   </p:cSld>
@@ -9567,34 +10069,96 @@
       </p:sp>
       <p:sp>
         <p:nvSpPr>
-          <p:cNvPr id="3" name="Content Placeholder 2">
+          <p:cNvPr id="5" name="Rectangle 2">
             <a:extLst>
               <a:ext uri="{FF2B5EF4-FFF2-40B4-BE49-F238E27FC236}">
-                <a16:creationId xmlns:a16="http://schemas.microsoft.com/office/drawing/2014/main" id="{2A352187-7C66-A3EF-7920-553E497B19AA}"/>
+                <a16:creationId xmlns:a16="http://schemas.microsoft.com/office/drawing/2014/main" id="{F30059BC-9DA2-461B-E83B-6600C6D56D36}"/>
               </a:ext>
             </a:extLst>
           </p:cNvPr>
           <p:cNvSpPr>
-            <a:spLocks noGrp="1"/>
+            <a:spLocks noGrp="1" noChangeArrowheads="1"/>
           </p:cNvSpPr>
           <p:nvPr>
             <p:ph idx="1"/>
           </p:nvPr>
         </p:nvSpPr>
-        <p:spPr/>
+        <p:spPr bwMode="auto">
+          <a:xfrm>
+            <a:off x="838200" y="1690688"/>
+            <a:ext cx="10764229" cy="3513141"/>
+          </a:xfrm>
+          <a:prstGeom prst="rect">
+            <a:avLst/>
+          </a:prstGeom>
+          <a:noFill/>
+          <a:ln>
+            <a:noFill/>
+          </a:ln>
+          <a:effectLst/>
+          <a:extLst>
+            <a:ext uri="{909E8E84-426E-40DD-AFC4-6F175D3DCCD1}">
+              <a14:hiddenFill xmlns:a14="http://schemas.microsoft.com/office/drawing/2010/main">
+                <a:solidFill>
+                  <a:schemeClr val="accent1"/>
+                </a:solidFill>
+              </a14:hiddenFill>
+            </a:ext>
+            <a:ext uri="{91240B29-F687-4F45-9708-019B960494DF}">
+              <a14:hiddenLine xmlns:a14="http://schemas.microsoft.com/office/drawing/2010/main" w="9525">
+                <a:solidFill>
+                  <a:schemeClr val="tx1"/>
+                </a:solidFill>
+                <a:miter lim="800000"/>
+                <a:headEnd/>
+                <a:tailEnd/>
+              </a14:hiddenLine>
+            </a:ext>
+            <a:ext uri="{AF507438-7753-43E0-B8FC-AC1667EBCBE1}">
+              <a14:hiddenEffects xmlns:a14="http://schemas.microsoft.com/office/drawing/2010/main">
+                <a:effectLst>
+                  <a:outerShdw dist="35921" dir="2700000" algn="ctr" rotWithShape="0">
+                    <a:schemeClr val="bg2"/>
+                  </a:outerShdw>
+                </a:effectLst>
+              </a14:hiddenEffects>
+            </a:ext>
+          </a:extLst>
+        </p:spPr>
         <p:txBody>
-          <a:bodyPr>
-            <a:normAutofit fontScale="85000" lnSpcReduction="20000"/>
+          <a:bodyPr vert="horz" wrap="none" lIns="91440" tIns="45720" rIns="91440" bIns="45720" numCol="1" anchor="ctr" anchorCtr="0" compatLnSpc="1">
+            <a:prstTxWarp prst="textNoShape">
+              <a:avLst/>
+            </a:prstTxWarp>
+            <a:spAutoFit/>
           </a:bodyPr>
           <a:lstStyle/>
           <a:p>
-            <a:pPr>
+            <a:pPr marL="0" marR="0" lvl="0" indent="0" algn="l" defTabSz="914400" rtl="0" eaLnBrk="0" fontAlgn="base" latinLnBrk="0" hangingPunct="0">
+              <a:lnSpc>
+                <a:spcPct val="150000"/>
+              </a:lnSpc>
               <a:spcBef>
                 <a:spcPts val="2400"/>
               </a:spcBef>
+              <a:spcAft>
+                <a:spcPct val="0"/>
+              </a:spcAft>
+              <a:buClrTx/>
+              <a:buSzTx/>
+              <a:buFontTx/>
+              <a:buChar char="•"/>
+              <a:tabLst/>
             </a:pPr>
             <a:r>
-              <a:rPr lang="en-US" dirty="0" err="1">
+              <a:rPr kumimoji="0" lang="th-TH" altLang="th-TH" b="0" i="0" u="none" strike="noStrike" cap="none" normalizeH="0" baseline="0" dirty="0" err="1">
+                <a:ln>
+                  <a:noFill/>
+                </a:ln>
+                <a:solidFill>
+                  <a:schemeClr val="tx1"/>
+                </a:solidFill>
+                <a:effectLst/>
                 <a:latin typeface="Tahoma" panose="020B0604030504040204" pitchFamily="34" charset="0"/>
                 <a:ea typeface="Tahoma" panose="020B0604030504040204" pitchFamily="34" charset="0"/>
                 <a:cs typeface="Tahoma" panose="020B0604030504040204" pitchFamily="34" charset="0"/>
@@ -9602,224 +10166,389 @@
               <a:t>PartySync</a:t>
             </a:r>
             <a:r>
-              <a:rPr lang="en-US" dirty="0">
-                <a:latin typeface="Tahoma" panose="020B0604030504040204" pitchFamily="34" charset="0"/>
-                <a:ea typeface="Tahoma" panose="020B0604030504040204" pitchFamily="34" charset="0"/>
-                <a:cs typeface="Tahoma" panose="020B0604030504040204" pitchFamily="34" charset="0"/>
-              </a:rPr>
-              <a:t> </a:t>
-            </a:r>
-            <a:r>
-              <a:rPr lang="th-TH" dirty="0">
-                <a:latin typeface="Tahoma" panose="020B0604030504040204" pitchFamily="34" charset="0"/>
-                <a:ea typeface="Tahoma" panose="020B0604030504040204" pitchFamily="34" charset="0"/>
-                <a:cs typeface="Tahoma" panose="020B0604030504040204" pitchFamily="34" charset="0"/>
-              </a:rPr>
-              <a:t>เป็นแพลตฟอร์มบนเว็บที่ช่วยให้ผู้ใช้จัดการข้อมูลเกี่ยวกับบุคคลและองค์กรผ่าน</a:t>
-            </a:r>
-            <a:r>
-              <a:rPr lang="en-US" dirty="0">
-                <a:latin typeface="Tahoma" panose="020B0604030504040204" pitchFamily="34" charset="0"/>
-                <a:ea typeface="Tahoma" panose="020B0604030504040204" pitchFamily="34" charset="0"/>
-                <a:cs typeface="Tahoma" panose="020B0604030504040204" pitchFamily="34" charset="0"/>
-              </a:rPr>
-              <a:t> layer</a:t>
-            </a:r>
-          </a:p>
-          <a:p>
-            <a:pPr>
+              <a:rPr kumimoji="0" lang="th-TH" altLang="th-TH" b="0" i="0" u="none" strike="noStrike" cap="none" normalizeH="0" baseline="0" dirty="0">
+                <a:ln>
+                  <a:noFill/>
+                </a:ln>
+                <a:solidFill>
+                  <a:schemeClr val="tx1"/>
+                </a:solidFill>
+                <a:effectLst/>
+                <a:latin typeface="Tahoma" panose="020B0604030504040204" pitchFamily="34" charset="0"/>
+                <a:ea typeface="Tahoma" panose="020B0604030504040204" pitchFamily="34" charset="0"/>
+                <a:cs typeface="Tahoma" panose="020B0604030504040204" pitchFamily="34" charset="0"/>
+              </a:rPr>
+              <a:t> แพลตฟอร์มเว็บสำหรับจัดการข้อมูลบุคคลและองค์กร </a:t>
+            </a:r>
+          </a:p>
+          <a:p>
+            <a:pPr marL="0" marR="0" lvl="0" indent="0" algn="l" defTabSz="914400" rtl="0" eaLnBrk="0" fontAlgn="base" latinLnBrk="0" hangingPunct="0">
+              <a:lnSpc>
+                <a:spcPct val="150000"/>
+              </a:lnSpc>
               <a:spcBef>
                 <a:spcPts val="2400"/>
               </a:spcBef>
+              <a:spcAft>
+                <a:spcPct val="0"/>
+              </a:spcAft>
+              <a:buClrTx/>
+              <a:buSzTx/>
+              <a:buFontTx/>
+              <a:buChar char="•"/>
+              <a:tabLst/>
             </a:pPr>
             <a:r>
-              <a:rPr lang="en-US" dirty="0">
+              <a:rPr kumimoji="0" lang="th-TH" altLang="th-TH" b="0" i="0" u="none" strike="noStrike" cap="none" normalizeH="0" baseline="0" dirty="0">
+                <a:ln>
+                  <a:noFill/>
+                </a:ln>
+                <a:solidFill>
+                  <a:schemeClr val="tx1"/>
+                </a:solidFill>
+                <a:effectLst/>
+                <a:latin typeface="Tahoma" panose="020B0604030504040204" pitchFamily="34" charset="0"/>
+                <a:ea typeface="Tahoma" panose="020B0604030504040204" pitchFamily="34" charset="0"/>
+                <a:cs typeface="Tahoma" panose="020B0604030504040204" pitchFamily="34" charset="0"/>
+              </a:rPr>
+              <a:t>ประกอบด้วย</a:t>
+            </a:r>
+            <a:r>
+              <a:rPr kumimoji="0" lang="th-TH" altLang="th-TH" b="0" i="0" u="none" strike="noStrike" cap="none" normalizeH="0" baseline="0" dirty="0" err="1">
+                <a:ln>
+                  <a:noFill/>
+                </a:ln>
+                <a:solidFill>
+                  <a:schemeClr val="tx1"/>
+                </a:solidFill>
+                <a:effectLst/>
+                <a:latin typeface="Tahoma" panose="020B0604030504040204" pitchFamily="34" charset="0"/>
+                <a:ea typeface="Tahoma" panose="020B0604030504040204" pitchFamily="34" charset="0"/>
+                <a:cs typeface="Tahoma" panose="020B0604030504040204" pitchFamily="34" charset="0"/>
+              </a:rPr>
+              <a:t>เลเย</a:t>
+            </a:r>
+            <a:r>
+              <a:rPr kumimoji="0" lang="th-TH" altLang="th-TH" b="0" i="0" u="none" strike="noStrike" cap="none" normalizeH="0" baseline="0" dirty="0">
+                <a:ln>
+                  <a:noFill/>
+                </a:ln>
+                <a:solidFill>
+                  <a:schemeClr val="tx1"/>
+                </a:solidFill>
+                <a:effectLst/>
+                <a:latin typeface="Tahoma" panose="020B0604030504040204" pitchFamily="34" charset="0"/>
+                <a:ea typeface="Tahoma" panose="020B0604030504040204" pitchFamily="34" charset="0"/>
+                <a:cs typeface="Tahoma" panose="020B0604030504040204" pitchFamily="34" charset="0"/>
+              </a:rPr>
+              <a:t>อร์ </a:t>
+            </a:r>
+            <a:r>
+              <a:rPr kumimoji="0" lang="th-TH" altLang="th-TH" b="0" i="0" u="none" strike="noStrike" cap="none" normalizeH="0" baseline="0" dirty="0" err="1">
+                <a:ln>
+                  <a:noFill/>
+                </a:ln>
+                <a:solidFill>
+                  <a:schemeClr val="tx1"/>
+                </a:solidFill>
+                <a:effectLst/>
                 <a:latin typeface="Tahoma" panose="020B0604030504040204" pitchFamily="34" charset="0"/>
                 <a:ea typeface="Tahoma" panose="020B0604030504040204" pitchFamily="34" charset="0"/>
                 <a:cs typeface="Tahoma" panose="020B0604030504040204" pitchFamily="34" charset="0"/>
               </a:rPr>
               <a:t>Root</a:t>
             </a:r>
-          </a:p>
-          <a:p>
-            <a:pPr>
+            <a:r>
+              <a:rPr kumimoji="0" lang="th-TH" altLang="th-TH" b="0" i="0" u="none" strike="noStrike" cap="none" normalizeH="0" baseline="0" dirty="0">
+                <a:ln>
+                  <a:noFill/>
+                </a:ln>
+                <a:solidFill>
+                  <a:schemeClr val="tx1"/>
+                </a:solidFill>
+                <a:effectLst/>
+                <a:latin typeface="Tahoma" panose="020B0604030504040204" pitchFamily="34" charset="0"/>
+                <a:ea typeface="Tahoma" panose="020B0604030504040204" pitchFamily="34" charset="0"/>
+                <a:cs typeface="Tahoma" panose="020B0604030504040204" pitchFamily="34" charset="0"/>
+              </a:rPr>
+              <a:t>, </a:t>
+            </a:r>
+            <a:r>
+              <a:rPr kumimoji="0" lang="th-TH" altLang="th-TH" b="0" i="0" u="none" strike="noStrike" cap="none" normalizeH="0" baseline="0" dirty="0" err="1">
+                <a:ln>
+                  <a:noFill/>
+                </a:ln>
+                <a:solidFill>
+                  <a:schemeClr val="tx1"/>
+                </a:solidFill>
+                <a:effectLst/>
+                <a:latin typeface="Tahoma" panose="020B0604030504040204" pitchFamily="34" charset="0"/>
+                <a:ea typeface="Tahoma" panose="020B0604030504040204" pitchFamily="34" charset="0"/>
+                <a:cs typeface="Tahoma" panose="020B0604030504040204" pitchFamily="34" charset="0"/>
+              </a:rPr>
+              <a:t>Type</a:t>
+            </a:r>
+            <a:r>
+              <a:rPr kumimoji="0" lang="th-TH" altLang="th-TH" b="0" i="0" u="none" strike="noStrike" cap="none" normalizeH="0" baseline="0" dirty="0">
+                <a:ln>
+                  <a:noFill/>
+                </a:ln>
+                <a:solidFill>
+                  <a:schemeClr val="tx1"/>
+                </a:solidFill>
+                <a:effectLst/>
+                <a:latin typeface="Tahoma" panose="020B0604030504040204" pitchFamily="34" charset="0"/>
+                <a:ea typeface="Tahoma" panose="020B0604030504040204" pitchFamily="34" charset="0"/>
+                <a:cs typeface="Tahoma" panose="020B0604030504040204" pitchFamily="34" charset="0"/>
+              </a:rPr>
+              <a:t>, </a:t>
+            </a:r>
+            <a:r>
+              <a:rPr kumimoji="0" lang="th-TH" altLang="th-TH" b="0" i="0" u="none" strike="noStrike" cap="none" normalizeH="0" baseline="0" dirty="0" err="1">
+                <a:ln>
+                  <a:noFill/>
+                </a:ln>
+                <a:solidFill>
+                  <a:schemeClr val="tx1"/>
+                </a:solidFill>
+                <a:effectLst/>
+                <a:latin typeface="Tahoma" panose="020B0604030504040204" pitchFamily="34" charset="0"/>
+                <a:ea typeface="Tahoma" panose="020B0604030504040204" pitchFamily="34" charset="0"/>
+                <a:cs typeface="Tahoma" panose="020B0604030504040204" pitchFamily="34" charset="0"/>
+              </a:rPr>
+              <a:t>Info</a:t>
+            </a:r>
+            <a:r>
+              <a:rPr kumimoji="0" lang="th-TH" altLang="th-TH" b="0" i="0" u="none" strike="noStrike" cap="none" normalizeH="0" baseline="0" dirty="0">
+                <a:ln>
+                  <a:noFill/>
+                </a:ln>
+                <a:solidFill>
+                  <a:schemeClr val="tx1"/>
+                </a:solidFill>
+                <a:effectLst/>
+                <a:latin typeface="Tahoma" panose="020B0604030504040204" pitchFamily="34" charset="0"/>
+                <a:ea typeface="Tahoma" panose="020B0604030504040204" pitchFamily="34" charset="0"/>
+                <a:cs typeface="Tahoma" panose="020B0604030504040204" pitchFamily="34" charset="0"/>
+              </a:rPr>
+              <a:t>, </a:t>
+            </a:r>
+            <a:r>
+              <a:rPr kumimoji="0" lang="th-TH" altLang="th-TH" b="0" i="0" u="none" strike="noStrike" cap="none" normalizeH="0" baseline="0" dirty="0" err="1">
+                <a:ln>
+                  <a:noFill/>
+                </a:ln>
+                <a:solidFill>
+                  <a:schemeClr val="tx1"/>
+                </a:solidFill>
+                <a:effectLst/>
+                <a:latin typeface="Tahoma" panose="020B0604030504040204" pitchFamily="34" charset="0"/>
+                <a:ea typeface="Tahoma" panose="020B0604030504040204" pitchFamily="34" charset="0"/>
+                <a:cs typeface="Tahoma" panose="020B0604030504040204" pitchFamily="34" charset="0"/>
+              </a:rPr>
+              <a:t>Relationship</a:t>
+            </a:r>
+            <a:r>
+              <a:rPr kumimoji="0" lang="th-TH" altLang="th-TH" b="0" i="0" u="none" strike="noStrike" cap="none" normalizeH="0" baseline="0" dirty="0">
+                <a:ln>
+                  <a:noFill/>
+                </a:ln>
+                <a:solidFill>
+                  <a:schemeClr val="tx1"/>
+                </a:solidFill>
+                <a:effectLst/>
+                <a:latin typeface="Tahoma" panose="020B0604030504040204" pitchFamily="34" charset="0"/>
+                <a:ea typeface="Tahoma" panose="020B0604030504040204" pitchFamily="34" charset="0"/>
+                <a:cs typeface="Tahoma" panose="020B0604030504040204" pitchFamily="34" charset="0"/>
+              </a:rPr>
+              <a:t>, </a:t>
+            </a:r>
+            <a:r>
+              <a:rPr kumimoji="0" lang="th-TH" altLang="th-TH" b="0" i="0" u="none" strike="noStrike" cap="none" normalizeH="0" baseline="0" dirty="0" err="1">
+                <a:ln>
+                  <a:noFill/>
+                </a:ln>
+                <a:solidFill>
+                  <a:schemeClr val="tx1"/>
+                </a:solidFill>
+                <a:effectLst/>
+                <a:latin typeface="Tahoma" panose="020B0604030504040204" pitchFamily="34" charset="0"/>
+                <a:ea typeface="Tahoma" panose="020B0604030504040204" pitchFamily="34" charset="0"/>
+                <a:cs typeface="Tahoma" panose="020B0604030504040204" pitchFamily="34" charset="0"/>
+              </a:rPr>
+              <a:t>Communication</a:t>
+            </a:r>
+            <a:r>
+              <a:rPr kumimoji="0" lang="th-TH" altLang="th-TH" b="0" i="0" u="none" strike="noStrike" cap="none" normalizeH="0" baseline="0" dirty="0">
+                <a:ln>
+                  <a:noFill/>
+                </a:ln>
+                <a:solidFill>
+                  <a:schemeClr val="tx1"/>
+                </a:solidFill>
+                <a:effectLst/>
+                <a:latin typeface="Tahoma" panose="020B0604030504040204" pitchFamily="34" charset="0"/>
+                <a:ea typeface="Tahoma" panose="020B0604030504040204" pitchFamily="34" charset="0"/>
+                <a:cs typeface="Tahoma" panose="020B0604030504040204" pitchFamily="34" charset="0"/>
+              </a:rPr>
+              <a:t> </a:t>
+            </a:r>
+          </a:p>
+          <a:p>
+            <a:pPr marL="0" marR="0" lvl="0" indent="0" algn="l" defTabSz="914400" rtl="0" eaLnBrk="0" fontAlgn="base" latinLnBrk="0" hangingPunct="0">
+              <a:lnSpc>
+                <a:spcPct val="150000"/>
+              </a:lnSpc>
               <a:spcBef>
                 <a:spcPts val="2400"/>
               </a:spcBef>
+              <a:spcAft>
+                <a:spcPct val="0"/>
+              </a:spcAft>
+              <a:buClrTx/>
+              <a:buSzTx/>
+              <a:buFontTx/>
+              <a:buChar char="•"/>
+              <a:tabLst/>
             </a:pPr>
             <a:r>
-              <a:rPr lang="en-US" dirty="0">
-                <a:latin typeface="Tahoma" panose="020B0604030504040204" pitchFamily="34" charset="0"/>
-                <a:ea typeface="Tahoma" panose="020B0604030504040204" pitchFamily="34" charset="0"/>
-                <a:cs typeface="Tahoma" panose="020B0604030504040204" pitchFamily="34" charset="0"/>
-              </a:rPr>
-              <a:t>type</a:t>
-            </a:r>
-          </a:p>
-          <a:p>
-            <a:pPr>
+              <a:rPr kumimoji="0" lang="th-TH" altLang="th-TH" b="0" i="0" u="none" strike="noStrike" cap="none" normalizeH="0" baseline="0" dirty="0">
+                <a:ln>
+                  <a:noFill/>
+                </a:ln>
+                <a:solidFill>
+                  <a:schemeClr val="tx1"/>
+                </a:solidFill>
+                <a:effectLst/>
+                <a:latin typeface="Tahoma" panose="020B0604030504040204" pitchFamily="34" charset="0"/>
+                <a:ea typeface="Tahoma" panose="020B0604030504040204" pitchFamily="34" charset="0"/>
+                <a:cs typeface="Tahoma" panose="020B0604030504040204" pitchFamily="34" charset="0"/>
+              </a:rPr>
+              <a:t>รองรับการทำงานแบบ CRUD ผ่านอินเทอร</a:t>
+            </a:r>
+            <a:r>
+              <a:rPr kumimoji="0" lang="th-TH" altLang="th-TH" b="0" i="0" u="none" strike="noStrike" cap="none" normalizeH="0" baseline="0" dirty="0" err="1">
+                <a:ln>
+                  <a:noFill/>
+                </a:ln>
+                <a:solidFill>
+                  <a:schemeClr val="tx1"/>
+                </a:solidFill>
+                <a:effectLst/>
+                <a:latin typeface="Tahoma" panose="020B0604030504040204" pitchFamily="34" charset="0"/>
+                <a:ea typeface="Tahoma" panose="020B0604030504040204" pitchFamily="34" charset="0"/>
+                <a:cs typeface="Tahoma" panose="020B0604030504040204" pitchFamily="34" charset="0"/>
+              </a:rPr>
+              <a:t>์เฟซ</a:t>
+            </a:r>
+            <a:r>
+              <a:rPr kumimoji="0" lang="th-TH" altLang="th-TH" b="0" i="0" u="none" strike="noStrike" cap="none" normalizeH="0" baseline="0" dirty="0">
+                <a:ln>
+                  <a:noFill/>
+                </a:ln>
+                <a:solidFill>
+                  <a:schemeClr val="tx1"/>
+                </a:solidFill>
+                <a:effectLst/>
+                <a:latin typeface="Tahoma" panose="020B0604030504040204" pitchFamily="34" charset="0"/>
+                <a:ea typeface="Tahoma" panose="020B0604030504040204" pitchFamily="34" charset="0"/>
+                <a:cs typeface="Tahoma" panose="020B0604030504040204" pitchFamily="34" charset="0"/>
+              </a:rPr>
+              <a:t>ที่ใช้งานง่าย </a:t>
+            </a:r>
+          </a:p>
+          <a:p>
+            <a:pPr marL="0" marR="0" lvl="0" indent="0" algn="l" defTabSz="914400" rtl="0" eaLnBrk="0" fontAlgn="base" latinLnBrk="0" hangingPunct="0">
+              <a:lnSpc>
+                <a:spcPct val="150000"/>
+              </a:lnSpc>
               <a:spcBef>
                 <a:spcPts val="2400"/>
               </a:spcBef>
+              <a:spcAft>
+                <a:spcPct val="0"/>
+              </a:spcAft>
+              <a:buClrTx/>
+              <a:buSzTx/>
+              <a:buFontTx/>
+              <a:buChar char="•"/>
+              <a:tabLst/>
             </a:pPr>
             <a:r>
-              <a:rPr lang="en-US" dirty="0">
-                <a:latin typeface="Tahoma" panose="020B0604030504040204" pitchFamily="34" charset="0"/>
-                <a:ea typeface="Tahoma" panose="020B0604030504040204" pitchFamily="34" charset="0"/>
-                <a:cs typeface="Tahoma" panose="020B0604030504040204" pitchFamily="34" charset="0"/>
-              </a:rPr>
-              <a:t>Info</a:t>
-            </a:r>
-            <a:endParaRPr lang="th-TH" dirty="0">
-              <a:latin typeface="Tahoma" panose="020B0604030504040204" pitchFamily="34" charset="0"/>
-              <a:ea typeface="Tahoma" panose="020B0604030504040204" pitchFamily="34" charset="0"/>
-              <a:cs typeface="Tahoma" panose="020B0604030504040204" pitchFamily="34" charset="0"/>
-            </a:endParaRPr>
-          </a:p>
-          <a:p>
-            <a:pPr>
-              <a:spcBef>
-                <a:spcPts val="2400"/>
-              </a:spcBef>
-            </a:pPr>
-            <a:r>
-              <a:rPr lang="en-US" dirty="0">
-                <a:latin typeface="Tahoma" panose="020B0604030504040204" pitchFamily="34" charset="0"/>
-                <a:ea typeface="Tahoma" panose="020B0604030504040204" pitchFamily="34" charset="0"/>
-                <a:cs typeface="Tahoma" panose="020B0604030504040204" pitchFamily="34" charset="0"/>
-              </a:rPr>
-              <a:t>Relationship</a:t>
-            </a:r>
-          </a:p>
-          <a:p>
-            <a:pPr>
-              <a:spcBef>
-                <a:spcPts val="2400"/>
-              </a:spcBef>
-            </a:pPr>
-            <a:r>
-              <a:rPr lang="en-US" dirty="0">
-                <a:latin typeface="Tahoma" panose="020B0604030504040204" pitchFamily="34" charset="0"/>
-                <a:ea typeface="Tahoma" panose="020B0604030504040204" pitchFamily="34" charset="0"/>
-                <a:cs typeface="Tahoma" panose="020B0604030504040204" pitchFamily="34" charset="0"/>
-              </a:rPr>
-              <a:t>Communication</a:t>
-            </a:r>
-          </a:p>
-          <a:p>
-            <a:pPr>
-              <a:spcBef>
-                <a:spcPts val="2400"/>
-              </a:spcBef>
-            </a:pPr>
-            <a:r>
-              <a:rPr lang="th-TH" dirty="0">
-                <a:latin typeface="Tahoma" panose="020B0604030504040204" pitchFamily="34" charset="0"/>
-                <a:ea typeface="Tahoma" panose="020B0604030504040204" pitchFamily="34" charset="0"/>
-                <a:cs typeface="Tahoma" panose="020B0604030504040204" pitchFamily="34" charset="0"/>
-              </a:rPr>
-              <a:t>รองรับการดำเนินการ </a:t>
-            </a:r>
-            <a:r>
-              <a:rPr lang="en-US" dirty="0">
-                <a:latin typeface="Tahoma" panose="020B0604030504040204" pitchFamily="34" charset="0"/>
-                <a:ea typeface="Tahoma" panose="020B0604030504040204" pitchFamily="34" charset="0"/>
-                <a:cs typeface="Tahoma" panose="020B0604030504040204" pitchFamily="34" charset="0"/>
-              </a:rPr>
-              <a:t>CRUD (</a:t>
-            </a:r>
-            <a:r>
-              <a:rPr lang="th-TH" dirty="0">
-                <a:latin typeface="Tahoma" panose="020B0604030504040204" pitchFamily="34" charset="0"/>
-                <a:ea typeface="Tahoma" panose="020B0604030504040204" pitchFamily="34" charset="0"/>
-                <a:cs typeface="Tahoma" panose="020B0604030504040204" pitchFamily="34" charset="0"/>
-              </a:rPr>
-              <a:t>สร้าง, อ่าน, </a:t>
-            </a:r>
-            <a:r>
-              <a:rPr lang="th-TH" dirty="0" err="1">
-                <a:latin typeface="Tahoma" panose="020B0604030504040204" pitchFamily="34" charset="0"/>
-                <a:ea typeface="Tahoma" panose="020B0604030504040204" pitchFamily="34" charset="0"/>
-                <a:cs typeface="Tahoma" panose="020B0604030504040204" pitchFamily="34" charset="0"/>
-              </a:rPr>
-              <a:t>อัป</a:t>
-            </a:r>
-            <a:r>
-              <a:rPr lang="th-TH" dirty="0">
-                <a:latin typeface="Tahoma" panose="020B0604030504040204" pitchFamily="34" charset="0"/>
-                <a:ea typeface="Tahoma" panose="020B0604030504040204" pitchFamily="34" charset="0"/>
-                <a:cs typeface="Tahoma" panose="020B0604030504040204" pitchFamily="34" charset="0"/>
-              </a:rPr>
-              <a:t>เดต, ลบ) ด้วยอินเทอร</a:t>
-            </a:r>
-            <a:r>
-              <a:rPr lang="th-TH" dirty="0" err="1">
-                <a:latin typeface="Tahoma" panose="020B0604030504040204" pitchFamily="34" charset="0"/>
-                <a:ea typeface="Tahoma" panose="020B0604030504040204" pitchFamily="34" charset="0"/>
-                <a:cs typeface="Tahoma" panose="020B0604030504040204" pitchFamily="34" charset="0"/>
-              </a:rPr>
-              <a:t>์เฟซ</a:t>
-            </a:r>
-            <a:r>
-              <a:rPr lang="th-TH" dirty="0">
-                <a:latin typeface="Tahoma" panose="020B0604030504040204" pitchFamily="34" charset="0"/>
-                <a:ea typeface="Tahoma" panose="020B0604030504040204" pitchFamily="34" charset="0"/>
-                <a:cs typeface="Tahoma" panose="020B0604030504040204" pitchFamily="34" charset="0"/>
-              </a:rPr>
-              <a:t>ที่ใช้งานง่าย ตามหลัก </a:t>
-            </a:r>
-            <a:r>
-              <a:rPr lang="en-US" dirty="0">
-                <a:latin typeface="Tahoma" panose="020B0604030504040204" pitchFamily="34" charset="0"/>
-                <a:ea typeface="Tahoma" panose="020B0604030504040204" pitchFamily="34" charset="0"/>
-                <a:cs typeface="Tahoma" panose="020B0604030504040204" pitchFamily="34" charset="0"/>
-              </a:rPr>
-              <a:t>UX/UI </a:t>
-            </a:r>
-            <a:r>
-              <a:rPr lang="th-TH" dirty="0">
-                <a:latin typeface="Tahoma" panose="020B0604030504040204" pitchFamily="34" charset="0"/>
-                <a:ea typeface="Tahoma" panose="020B0604030504040204" pitchFamily="34" charset="0"/>
-                <a:cs typeface="Tahoma" panose="020B0604030504040204" pitchFamily="34" charset="0"/>
-              </a:rPr>
-              <a:t>สร้างด้วย </a:t>
-            </a:r>
-            <a:r>
-              <a:rPr lang="en-US" dirty="0">
-                <a:latin typeface="Tahoma" panose="020B0604030504040204" pitchFamily="34" charset="0"/>
-                <a:ea typeface="Tahoma" panose="020B0604030504040204" pitchFamily="34" charset="0"/>
-                <a:cs typeface="Tahoma" panose="020B0604030504040204" pitchFamily="34" charset="0"/>
-              </a:rPr>
-              <a:t>React </a:t>
-            </a:r>
-            <a:r>
-              <a:rPr lang="th-TH" dirty="0">
-                <a:latin typeface="Tahoma" panose="020B0604030504040204" pitchFamily="34" charset="0"/>
-                <a:ea typeface="Tahoma" panose="020B0604030504040204" pitchFamily="34" charset="0"/>
-                <a:cs typeface="Tahoma" panose="020B0604030504040204" pitchFamily="34" charset="0"/>
-              </a:rPr>
-              <a:t>และ </a:t>
-            </a:r>
-            <a:r>
-              <a:rPr lang="en-US" dirty="0">
-                <a:latin typeface="Tahoma" panose="020B0604030504040204" pitchFamily="34" charset="0"/>
-                <a:ea typeface="Tahoma" panose="020B0604030504040204" pitchFamily="34" charset="0"/>
-                <a:cs typeface="Tahoma" panose="020B0604030504040204" pitchFamily="34" charset="0"/>
-              </a:rPr>
-              <a:t>Material-UI</a:t>
-            </a:r>
-          </a:p>
-          <a:p>
-            <a:pPr>
-              <a:spcBef>
-                <a:spcPts val="2400"/>
-              </a:spcBef>
-            </a:pPr>
-            <a:endParaRPr lang="en-US" dirty="0">
-              <a:latin typeface="Tahoma" panose="020B0604030504040204" pitchFamily="34" charset="0"/>
-              <a:ea typeface="Tahoma" panose="020B0604030504040204" pitchFamily="34" charset="0"/>
-              <a:cs typeface="Tahoma" panose="020B0604030504040204" pitchFamily="34" charset="0"/>
-            </a:endParaRPr>
+              <a:rPr kumimoji="0" lang="th-TH" altLang="th-TH" b="0" i="0" u="none" strike="noStrike" cap="none" normalizeH="0" baseline="0" dirty="0">
+                <a:ln>
+                  <a:noFill/>
+                </a:ln>
+                <a:solidFill>
+                  <a:schemeClr val="tx1"/>
+                </a:solidFill>
+                <a:effectLst/>
+                <a:latin typeface="Tahoma" panose="020B0604030504040204" pitchFamily="34" charset="0"/>
+                <a:ea typeface="Tahoma" panose="020B0604030504040204" pitchFamily="34" charset="0"/>
+                <a:cs typeface="Tahoma" panose="020B0604030504040204" pitchFamily="34" charset="0"/>
+              </a:rPr>
+              <a:t>ออกแบบตามหลัก UX/UI ด้วย </a:t>
+            </a:r>
+            <a:r>
+              <a:rPr kumimoji="0" lang="th-TH" altLang="th-TH" b="0" i="0" u="none" strike="noStrike" cap="none" normalizeH="0" baseline="0" dirty="0" err="1">
+                <a:ln>
+                  <a:noFill/>
+                </a:ln>
+                <a:solidFill>
+                  <a:schemeClr val="tx1"/>
+                </a:solidFill>
+                <a:effectLst/>
+                <a:latin typeface="Tahoma" panose="020B0604030504040204" pitchFamily="34" charset="0"/>
+                <a:ea typeface="Tahoma" panose="020B0604030504040204" pitchFamily="34" charset="0"/>
+                <a:cs typeface="Tahoma" panose="020B0604030504040204" pitchFamily="34" charset="0"/>
+              </a:rPr>
+              <a:t>React</a:t>
+            </a:r>
+            <a:r>
+              <a:rPr kumimoji="0" lang="th-TH" altLang="th-TH" b="0" i="0" u="none" strike="noStrike" cap="none" normalizeH="0" baseline="0" dirty="0">
+                <a:ln>
+                  <a:noFill/>
+                </a:ln>
+                <a:solidFill>
+                  <a:schemeClr val="tx1"/>
+                </a:solidFill>
+                <a:effectLst/>
+                <a:latin typeface="Tahoma" panose="020B0604030504040204" pitchFamily="34" charset="0"/>
+                <a:ea typeface="Tahoma" panose="020B0604030504040204" pitchFamily="34" charset="0"/>
+                <a:cs typeface="Tahoma" panose="020B0604030504040204" pitchFamily="34" charset="0"/>
+              </a:rPr>
+              <a:t> และ </a:t>
+            </a:r>
+            <a:r>
+              <a:rPr kumimoji="0" lang="th-TH" altLang="th-TH" b="0" i="0" u="none" strike="noStrike" cap="none" normalizeH="0" baseline="0" dirty="0" err="1">
+                <a:ln>
+                  <a:noFill/>
+                </a:ln>
+                <a:solidFill>
+                  <a:schemeClr val="tx1"/>
+                </a:solidFill>
+                <a:effectLst/>
+                <a:latin typeface="Tahoma" panose="020B0604030504040204" pitchFamily="34" charset="0"/>
+                <a:ea typeface="Tahoma" panose="020B0604030504040204" pitchFamily="34" charset="0"/>
+                <a:cs typeface="Tahoma" panose="020B0604030504040204" pitchFamily="34" charset="0"/>
+              </a:rPr>
+              <a:t>Material</a:t>
+            </a:r>
+            <a:r>
+              <a:rPr kumimoji="0" lang="th-TH" altLang="th-TH" b="0" i="0" u="none" strike="noStrike" cap="none" normalizeH="0" baseline="0" dirty="0">
+                <a:ln>
+                  <a:noFill/>
+                </a:ln>
+                <a:solidFill>
+                  <a:schemeClr val="tx1"/>
+                </a:solidFill>
+                <a:effectLst/>
+                <a:latin typeface="Tahoma" panose="020B0604030504040204" pitchFamily="34" charset="0"/>
+                <a:ea typeface="Tahoma" panose="020B0604030504040204" pitchFamily="34" charset="0"/>
+                <a:cs typeface="Tahoma" panose="020B0604030504040204" pitchFamily="34" charset="0"/>
+              </a:rPr>
+              <a:t>-UI </a:t>
+            </a:r>
           </a:p>
         </p:txBody>
       </p:sp>
@@ -10000,7 +10729,7 @@
         <p:spPr/>
         <p:txBody>
           <a:bodyPr>
-            <a:normAutofit fontScale="92500" lnSpcReduction="10000"/>
+            <a:normAutofit/>
           </a:bodyPr>
           <a:lstStyle/>
           <a:p>
@@ -10010,45 +10739,18 @@
               </a:lnSpc>
             </a:pPr>
             <a:r>
-              <a:rPr lang="en-US" dirty="0">
-                <a:latin typeface="Tahoma" panose="020B0604030504040204" pitchFamily="34" charset="0"/>
-                <a:ea typeface="Tahoma" panose="020B0604030504040204" pitchFamily="34" charset="0"/>
-                <a:cs typeface="Tahoma" panose="020B0604030504040204" pitchFamily="34" charset="0"/>
-              </a:rPr>
-              <a:t>User </a:t>
-            </a:r>
-            <a:r>
               <a:rPr lang="th-TH" dirty="0">
                 <a:latin typeface="Tahoma" panose="020B0604030504040204" pitchFamily="34" charset="0"/>
                 <a:ea typeface="Tahoma" panose="020B0604030504040204" pitchFamily="34" charset="0"/>
                 <a:cs typeface="Tahoma" panose="020B0604030504040204" pitchFamily="34" charset="0"/>
               </a:rPr>
-              <a:t>ไม่เคยใช้งาน ต้อง </a:t>
-            </a:r>
-            <a:r>
-              <a:rPr lang="en-US" dirty="0">
-                <a:latin typeface="Tahoma" panose="020B0604030504040204" pitchFamily="34" charset="0"/>
-                <a:ea typeface="Tahoma" panose="020B0604030504040204" pitchFamily="34" charset="0"/>
-                <a:cs typeface="Tahoma" panose="020B0604030504040204" pitchFamily="34" charset="0"/>
-              </a:rPr>
-              <a:t>register </a:t>
-            </a:r>
-            <a:r>
-              <a:rPr lang="th-TH" dirty="0">
-                <a:latin typeface="Tahoma" panose="020B0604030504040204" pitchFamily="34" charset="0"/>
-                <a:ea typeface="Tahoma" panose="020B0604030504040204" pitchFamily="34" charset="0"/>
-                <a:cs typeface="Tahoma" panose="020B0604030504040204" pitchFamily="34" charset="0"/>
-              </a:rPr>
-              <a:t>ก่อนเพื่อสร้าง </a:t>
-            </a:r>
-            <a:r>
-              <a:rPr lang="en-US" dirty="0">
-                <a:latin typeface="Tahoma" panose="020B0604030504040204" pitchFamily="34" charset="0"/>
-                <a:ea typeface="Tahoma" panose="020B0604030504040204" pitchFamily="34" charset="0"/>
-                <a:cs typeface="Tahoma" panose="020B0604030504040204" pitchFamily="34" charset="0"/>
-              </a:rPr>
-              <a:t>account</a:t>
-            </a:r>
+              <a:t>ผู้ใช้ใหม่ต้องสมัครเพื่อสร้างบัญชี</a:t>
+            </a:r>
+            <a:endParaRPr lang="en-US" dirty="0">
+              <a:latin typeface="Tahoma" panose="020B0604030504040204" pitchFamily="34" charset="0"/>
+              <a:ea typeface="Tahoma" panose="020B0604030504040204" pitchFamily="34" charset="0"/>
+              <a:cs typeface="Tahoma" panose="020B0604030504040204" pitchFamily="34" charset="0"/>
+            </a:endParaRPr>
           </a:p>
           <a:p>
             <a:pPr>
@@ -10057,53 +10759,18 @@
               </a:lnSpc>
             </a:pPr>
             <a:r>
-              <a:rPr lang="en-US" dirty="0">
-                <a:latin typeface="Tahoma" panose="020B0604030504040204" pitchFamily="34" charset="0"/>
-                <a:ea typeface="Tahoma" panose="020B0604030504040204" pitchFamily="34" charset="0"/>
-                <a:cs typeface="Tahoma" panose="020B0604030504040204" pitchFamily="34" charset="0"/>
-              </a:rPr>
-              <a:t>User </a:t>
-            </a:r>
-            <a:r>
               <a:rPr lang="th-TH" dirty="0">
                 <a:latin typeface="Tahoma" panose="020B0604030504040204" pitchFamily="34" charset="0"/>
                 <a:ea typeface="Tahoma" panose="020B0604030504040204" pitchFamily="34" charset="0"/>
                 <a:cs typeface="Tahoma" panose="020B0604030504040204" pitchFamily="34" charset="0"/>
               </a:rPr>
-              <a:t>ที่มี </a:t>
-            </a:r>
-            <a:r>
-              <a:rPr lang="en-US" dirty="0">
-                <a:latin typeface="Tahoma" panose="020B0604030504040204" pitchFamily="34" charset="0"/>
-                <a:ea typeface="Tahoma" panose="020B0604030504040204" pitchFamily="34" charset="0"/>
-                <a:cs typeface="Tahoma" panose="020B0604030504040204" pitchFamily="34" charset="0"/>
-              </a:rPr>
-              <a:t>account </a:t>
-            </a:r>
-            <a:r>
-              <a:rPr lang="th-TH" dirty="0">
-                <a:latin typeface="Tahoma" panose="020B0604030504040204" pitchFamily="34" charset="0"/>
-                <a:ea typeface="Tahoma" panose="020B0604030504040204" pitchFamily="34" charset="0"/>
-                <a:cs typeface="Tahoma" panose="020B0604030504040204" pitchFamily="34" charset="0"/>
-              </a:rPr>
-              <a:t>อยู่แล้ว </a:t>
-            </a:r>
-            <a:r>
-              <a:rPr lang="en-US" dirty="0">
-                <a:latin typeface="Tahoma" panose="020B0604030504040204" pitchFamily="34" charset="0"/>
-                <a:ea typeface="Tahoma" panose="020B0604030504040204" pitchFamily="34" charset="0"/>
-                <a:cs typeface="Tahoma" panose="020B0604030504040204" pitchFamily="34" charset="0"/>
-              </a:rPr>
-              <a:t>login </a:t>
-            </a:r>
-            <a:r>
-              <a:rPr lang="th-TH" dirty="0">
-                <a:latin typeface="Tahoma" panose="020B0604030504040204" pitchFamily="34" charset="0"/>
-                <a:ea typeface="Tahoma" panose="020B0604030504040204" pitchFamily="34" charset="0"/>
-                <a:cs typeface="Tahoma" panose="020B0604030504040204" pitchFamily="34" charset="0"/>
-              </a:rPr>
-              <a:t>เพื่อเข้าใช้งานระบบ</a:t>
-            </a:r>
+              <a:t>ผู้ใช้ที่มีบัญชีแล้วสามารถล็อกอินเพื่อใช้งาน</a:t>
+            </a:r>
+            <a:endParaRPr lang="en-US" dirty="0">
+              <a:latin typeface="Tahoma" panose="020B0604030504040204" pitchFamily="34" charset="0"/>
+              <a:ea typeface="Tahoma" panose="020B0604030504040204" pitchFamily="34" charset="0"/>
+              <a:cs typeface="Tahoma" panose="020B0604030504040204" pitchFamily="34" charset="0"/>
+            </a:endParaRPr>
           </a:p>
           <a:p>
             <a:pPr>
@@ -10112,28 +10779,20 @@
               </a:lnSpc>
             </a:pPr>
             <a:r>
-              <a:rPr lang="en-US" dirty="0">
-                <a:latin typeface="Tahoma" panose="020B0604030504040204" pitchFamily="34" charset="0"/>
-                <a:ea typeface="Tahoma" panose="020B0604030504040204" pitchFamily="34" charset="0"/>
-                <a:cs typeface="Tahoma" panose="020B0604030504040204" pitchFamily="34" charset="0"/>
-              </a:rPr>
-              <a:t>User </a:t>
-            </a:r>
-            <a:r>
               <a:rPr lang="th-TH" dirty="0">
                 <a:latin typeface="Tahoma" panose="020B0604030504040204" pitchFamily="34" charset="0"/>
                 <a:ea typeface="Tahoma" panose="020B0604030504040204" pitchFamily="34" charset="0"/>
                 <a:cs typeface="Tahoma" panose="020B0604030504040204" pitchFamily="34" charset="0"/>
               </a:rPr>
-              <a:t>ที่ </a:t>
-            </a:r>
-            <a:r>
-              <a:rPr lang="en-US" dirty="0">
-                <a:latin typeface="Tahoma" panose="020B0604030504040204" pitchFamily="34" charset="0"/>
-                <a:ea typeface="Tahoma" panose="020B0604030504040204" pitchFamily="34" charset="0"/>
-                <a:cs typeface="Tahoma" panose="020B0604030504040204" pitchFamily="34" charset="0"/>
-              </a:rPr>
-              <a:t>login </a:t>
+              <a:t>ผู้ใช้ที่ล็อกอินสามารถแก้ไขโปรไฟล์และล็อก</a:t>
+            </a:r>
+            <a:r>
+              <a:rPr lang="th-TH" dirty="0" err="1">
+                <a:latin typeface="Tahoma" panose="020B0604030504040204" pitchFamily="34" charset="0"/>
+                <a:ea typeface="Tahoma" panose="020B0604030504040204" pitchFamily="34" charset="0"/>
+                <a:cs typeface="Tahoma" panose="020B0604030504040204" pitchFamily="34" charset="0"/>
+              </a:rPr>
+              <a:t>เอาท์</a:t>
             </a:r>
             <a:r>
               <a:rPr lang="th-TH" dirty="0">
@@ -10141,24 +10800,13 @@
                 <a:ea typeface="Tahoma" panose="020B0604030504040204" pitchFamily="34" charset="0"/>
                 <a:cs typeface="Tahoma" panose="020B0604030504040204" pitchFamily="34" charset="0"/>
               </a:rPr>
-              <a:t>แล้วสามารถ แก้ใข </a:t>
-            </a:r>
-            <a:r>
-              <a:rPr lang="en-US" dirty="0">
-                <a:latin typeface="Tahoma" panose="020B0604030504040204" pitchFamily="34" charset="0"/>
-                <a:ea typeface="Tahoma" panose="020B0604030504040204" pitchFamily="34" charset="0"/>
-                <a:cs typeface="Tahoma" panose="020B0604030504040204" pitchFamily="34" charset="0"/>
-              </a:rPr>
-              <a:t>profile </a:t>
-            </a:r>
-            <a:r>
-              <a:rPr lang="th-TH" dirty="0">
-                <a:latin typeface="Tahoma" panose="020B0604030504040204" pitchFamily="34" charset="0"/>
-                <a:ea typeface="Tahoma" panose="020B0604030504040204" pitchFamily="34" charset="0"/>
-                <a:cs typeface="Tahoma" panose="020B0604030504040204" pitchFamily="34" charset="0"/>
-              </a:rPr>
-              <a:t>ตัวเองได้</a:t>
-            </a:r>
+              <a:t>ได้</a:t>
+            </a:r>
+            <a:endParaRPr lang="en-US" dirty="0">
+              <a:latin typeface="Tahoma" panose="020B0604030504040204" pitchFamily="34" charset="0"/>
+              <a:ea typeface="Tahoma" panose="020B0604030504040204" pitchFamily="34" charset="0"/>
+              <a:cs typeface="Tahoma" panose="020B0604030504040204" pitchFamily="34" charset="0"/>
+            </a:endParaRPr>
           </a:p>
           <a:p>
             <a:pPr>
@@ -10167,12 +10815,20 @@
               </a:lnSpc>
             </a:pPr>
             <a:r>
+              <a:rPr lang="th-TH" dirty="0">
+                <a:latin typeface="Tahoma" panose="020B0604030504040204" pitchFamily="34" charset="0"/>
+                <a:ea typeface="Tahoma" panose="020B0604030504040204" pitchFamily="34" charset="0"/>
+                <a:cs typeface="Tahoma" panose="020B0604030504040204" pitchFamily="34" charset="0"/>
+              </a:rPr>
+              <a:t>การล็อกอินปลอดภัยด้วย </a:t>
+            </a:r>
+            <a:r>
               <a:rPr lang="en-US" dirty="0">
                 <a:latin typeface="Tahoma" panose="020B0604030504040204" pitchFamily="34" charset="0"/>
                 <a:ea typeface="Tahoma" panose="020B0604030504040204" pitchFamily="34" charset="0"/>
                 <a:cs typeface="Tahoma" panose="020B0604030504040204" pitchFamily="34" charset="0"/>
               </a:rPr>
-              <a:t>User </a:t>
+              <a:t>JWT </a:t>
             </a:r>
             <a:r>
               <a:rPr lang="th-TH" dirty="0">
@@ -10180,75 +10836,7 @@
                 <a:ea typeface="Tahoma" panose="020B0604030504040204" pitchFamily="34" charset="0"/>
                 <a:cs typeface="Tahoma" panose="020B0604030504040204" pitchFamily="34" charset="0"/>
               </a:rPr>
-              <a:t>ที่ </a:t>
-            </a:r>
-            <a:r>
-              <a:rPr lang="en-US" dirty="0">
-                <a:latin typeface="Tahoma" panose="020B0604030504040204" pitchFamily="34" charset="0"/>
-                <a:ea typeface="Tahoma" panose="020B0604030504040204" pitchFamily="34" charset="0"/>
-                <a:cs typeface="Tahoma" panose="020B0604030504040204" pitchFamily="34" charset="0"/>
-              </a:rPr>
-              <a:t>login </a:t>
-            </a:r>
-            <a:r>
-              <a:rPr lang="th-TH" dirty="0">
-                <a:latin typeface="Tahoma" panose="020B0604030504040204" pitchFamily="34" charset="0"/>
-                <a:ea typeface="Tahoma" panose="020B0604030504040204" pitchFamily="34" charset="0"/>
-                <a:cs typeface="Tahoma" panose="020B0604030504040204" pitchFamily="34" charset="0"/>
-              </a:rPr>
-              <a:t>แล้วสามารถ </a:t>
-            </a:r>
-            <a:r>
-              <a:rPr lang="en-US" dirty="0">
-                <a:latin typeface="Tahoma" panose="020B0604030504040204" pitchFamily="34" charset="0"/>
-                <a:ea typeface="Tahoma" panose="020B0604030504040204" pitchFamily="34" charset="0"/>
-                <a:cs typeface="Tahoma" panose="020B0604030504040204" pitchFamily="34" charset="0"/>
-              </a:rPr>
-              <a:t>logout </a:t>
-            </a:r>
-            <a:r>
-              <a:rPr lang="th-TH" dirty="0">
-                <a:latin typeface="Tahoma" panose="020B0604030504040204" pitchFamily="34" charset="0"/>
-                <a:ea typeface="Tahoma" panose="020B0604030504040204" pitchFamily="34" charset="0"/>
-                <a:cs typeface="Tahoma" panose="020B0604030504040204" pitchFamily="34" charset="0"/>
-              </a:rPr>
-              <a:t>ได้</a:t>
-            </a:r>
-            <a:endParaRPr lang="en-US" dirty="0">
-              <a:latin typeface="Tahoma" panose="020B0604030504040204" pitchFamily="34" charset="0"/>
-              <a:ea typeface="Tahoma" panose="020B0604030504040204" pitchFamily="34" charset="0"/>
-              <a:cs typeface="Tahoma" panose="020B0604030504040204" pitchFamily="34" charset="0"/>
-            </a:endParaRPr>
-          </a:p>
-          <a:p>
-            <a:pPr>
-              <a:lnSpc>
-                <a:spcPct val="200000"/>
-              </a:lnSpc>
-            </a:pPr>
-            <a:r>
-              <a:rPr lang="th-TH" dirty="0">
-                <a:latin typeface="Tahoma" panose="020B0604030504040204" pitchFamily="34" charset="0"/>
-                <a:ea typeface="Tahoma" panose="020B0604030504040204" pitchFamily="34" charset="0"/>
-                <a:cs typeface="Tahoma" panose="020B0604030504040204" pitchFamily="34" charset="0"/>
-              </a:rPr>
-              <a:t>ล็อกอินที่ปลอดภัยด้วย </a:t>
-            </a:r>
-            <a:r>
-              <a:rPr lang="en-US" dirty="0">
-                <a:latin typeface="Tahoma" panose="020B0604030504040204" pitchFamily="34" charset="0"/>
-                <a:ea typeface="Tahoma" panose="020B0604030504040204" pitchFamily="34" charset="0"/>
-                <a:cs typeface="Tahoma" panose="020B0604030504040204" pitchFamily="34" charset="0"/>
-              </a:rPr>
-              <a:t>JWT </a:t>
-            </a:r>
-            <a:r>
-              <a:rPr lang="th-TH" dirty="0">
-                <a:latin typeface="Tahoma" panose="020B0604030504040204" pitchFamily="34" charset="0"/>
-                <a:ea typeface="Tahoma" panose="020B0604030504040204" pitchFamily="34" charset="0"/>
-                <a:cs typeface="Tahoma" panose="020B0604030504040204" pitchFamily="34" charset="0"/>
-              </a:rPr>
-              <a:t>โดยเก็บโทเค</a:t>
+              <a:t>เก็บโทเค</a:t>
             </a:r>
             <a:r>
               <a:rPr lang="th-TH" dirty="0" err="1">
